--- a/doc/ZTIS3.pptx
+++ b/doc/ZTIS3.pptx
@@ -115,6 +115,11 @@
       </a:defRPr>
     </a:lvl9pPr>
   </p:defaultTextStyle>
+  <p:extLst>
+    <p:ext uri="{EFAFB233-063F-42B5-8137-9DF3F51BA10A}">
+      <p15:sldGuideLst xmlns:p15="http://schemas.microsoft.com/office/powerpoint/2012/main"/>
+    </p:ext>
+  </p:extLst>
 </p:presentation>
 </file>
 
@@ -4293,7 +4298,6 @@
               <a:rPr lang="pl-PL" dirty="0" smtClean="0"/>
               <a:t> platform.</a:t>
             </a:r>
-            <a:endParaRPr lang="pl-PL" dirty="0" smtClean="0"/>
           </a:p>
           <a:p>
             <a:r>
@@ -4756,7 +4760,6 @@
               <a:rPr lang="pl-PL" dirty="0" smtClean="0"/>
               <a:t> platform.</a:t>
             </a:r>
-            <a:endParaRPr lang="pl-PL" dirty="0" smtClean="0"/>
           </a:p>
           <a:p>
             <a:r>
@@ -5080,11 +5083,38 @@
             </a:r>
             <a:r>
               <a:rPr lang="pl-PL" sz="2000" dirty="0" smtClean="0"/>
-              <a:t> [1]</a:t>
-            </a:r>
-            <a:endParaRPr lang="pl-PL" sz="2000" dirty="0"/>
-          </a:p>
-          <a:p>
+              <a:t> [1</a:t>
+            </a:r>
+            <a:r>
+              <a:rPr lang="pl-PL" sz="2000" dirty="0" smtClean="0"/>
+              <a:t>]</a:t>
+            </a:r>
+          </a:p>
+          <a:p>
+            <a:r>
+              <a:rPr lang="pl-PL" sz="2000" dirty="0" err="1"/>
+              <a:t>https</a:t>
+            </a:r>
+            <a:r>
+              <a:rPr lang="pl-PL" sz="2000" dirty="0"/>
+              <a:t>://</a:t>
+            </a:r>
+            <a:r>
+              <a:rPr lang="pl-PL" sz="2000" dirty="0" err="1" smtClean="0"/>
+              <a:t>github.com</a:t>
+            </a:r>
+            <a:r>
+              <a:rPr lang="pl-PL" sz="2000" dirty="0" smtClean="0"/>
+              <a:t>/rudek-</a:t>
+            </a:r>
+            <a:r>
+              <a:rPr lang="pl-PL" sz="2000" dirty="0" err="1" smtClean="0"/>
+              <a:t>agh</a:t>
+            </a:r>
+            <a:r>
+              <a:rPr lang="pl-PL" sz="2000" smtClean="0"/>
+              <a:t>/ZTIS</a:t>
+            </a:r>
             <a:endParaRPr lang="pl-PL" sz="2000" dirty="0">
               <a:hlinkClick r:id="rId2"/>
             </a:endParaRPr>
